--- a/Image Recognition.pptx
+++ b/Image Recognition.pptx
@@ -108,6 +108,11 @@
       </a:defRPr>
     </a:lvl9pPr>
   </p:defaultTextStyle>
+  <p:extLst>
+    <p:ext uri="{EFAFB233-063F-42B5-8137-9DF3F51BA10A}">
+      <p15:sldGuideLst xmlns:p15="http://schemas.microsoft.com/office/powerpoint/2012/main"/>
+    </p:ext>
+  </p:extLst>
 </p:presentation>
 </file>
 
@@ -3760,7 +3765,7 @@
           </p:cNvPicPr>
           <p:nvPr/>
         </p:nvPicPr>
-        <p:blipFill>
+        <p:blipFill rotWithShape="1">
           <a:blip r:embed="rId6">
             <a:extLst>
               <a:ext uri="{28A0092B-C50C-407E-A947-70E740481C1C}">
@@ -3768,15 +3773,13 @@
               </a:ext>
             </a:extLst>
           </a:blip>
-          <a:srcRect/>
-          <a:stretch>
-            <a:fillRect/>
-          </a:stretch>
+          <a:srcRect l="47106" t="46507" r="45330" b="31986"/>
+          <a:stretch/>
         </p:blipFill>
         <p:spPr bwMode="auto">
           <a:xfrm>
-            <a:off x="7431073" y="1409700"/>
-            <a:ext cx="3015530" cy="1005177"/>
+            <a:off x="8134066" y="519011"/>
+            <a:ext cx="3219734" cy="3051398"/>
           </a:xfrm>
           <a:prstGeom prst="rect">
             <a:avLst/>
@@ -3802,14 +3805,14 @@
           <p:nvPr>
             <p:extLst>
               <p:ext uri="{D42A27DB-BD31-4B8C-83A1-F6EECF244321}">
-                <p14:modId xmlns:p14="http://schemas.microsoft.com/office/powerpoint/2010/main" val="2949594987"/>
+                <p14:modId xmlns:p14="http://schemas.microsoft.com/office/powerpoint/2010/main" val="780258920"/>
               </p:ext>
             </p:extLst>
           </p:nvPr>
         </p:nvGraphicFramePr>
         <p:xfrm>
           <a:off x="661737" y="3794464"/>
-          <a:ext cx="6769336" cy="2097170"/>
+          <a:ext cx="6769336" cy="2119028"/>
         </p:xfrm>
         <a:graphic>
           <a:graphicData uri="http://schemas.openxmlformats.org/drawingml/2006/table">
@@ -3865,12 +3868,12 @@
                         </a:tabLst>
                       </a:pPr>
                       <a:r>
-                        <a:rPr lang="pt-BR" sz="1200" dirty="0">
+                        <a:rPr lang="pt-BR" sz="1800" dirty="0">
                           <a:effectLst/>
                         </a:rPr>
                         <a:t> </a:t>
                       </a:r>
-                      <a:endParaRPr lang="pt-BR" sz="1200" dirty="0">
+                      <a:endParaRPr lang="pt-BR" sz="1800" dirty="0">
                         <a:effectLst/>
                         <a:latin typeface="Times" panose="02020603050405020304" pitchFamily="18" charset="0"/>
                         <a:ea typeface="MS Mincho" panose="02020609040205080304" pitchFamily="49" charset="-128"/>
@@ -3918,12 +3921,12 @@
                         </a:tabLst>
                       </a:pPr>
                       <a:r>
-                        <a:rPr lang="pt-BR" sz="1200" dirty="0">
+                        <a:rPr lang="pt-BR" sz="1800" dirty="0">
                           <a:effectLst/>
                         </a:rPr>
                         <a:t>Reconhecimento</a:t>
                       </a:r>
-                      <a:endParaRPr lang="pt-BR" sz="1200" dirty="0">
+                      <a:endParaRPr lang="pt-BR" sz="1800" dirty="0">
                         <a:effectLst/>
                         <a:latin typeface="Times" panose="02020603050405020304" pitchFamily="18" charset="0"/>
                         <a:ea typeface="MS Mincho" panose="02020609040205080304" pitchFamily="49" charset="-128"/>
@@ -3981,12 +3984,12 @@
                         </a:tabLst>
                       </a:pPr>
                       <a:r>
-                        <a:rPr lang="pt-BR" sz="1200" dirty="0">
+                        <a:rPr lang="pt-BR" sz="1800" dirty="0">
                           <a:effectLst/>
                         </a:rPr>
                         <a:t>Falso Positivos</a:t>
                       </a:r>
-                      <a:endParaRPr lang="pt-BR" sz="1200" dirty="0">
+                      <a:endParaRPr lang="pt-BR" sz="1800" dirty="0">
                         <a:effectLst/>
                         <a:latin typeface="Times" panose="02020603050405020304" pitchFamily="18" charset="0"/>
                         <a:ea typeface="MS Mincho" panose="02020609040205080304" pitchFamily="49" charset="-128"/>
@@ -4051,7 +4054,7 @@
                         </a:tabLst>
                       </a:pPr>
                       <a:r>
-                        <a:rPr lang="pt-BR" sz="1200">
+                        <a:rPr lang="pt-BR" sz="1800" dirty="0">
                           <a:solidFill>
                             <a:schemeClr val="bg1"/>
                           </a:solidFill>
@@ -4059,7 +4062,7 @@
                         </a:rPr>
                         <a:t>Conjunto 1</a:t>
                       </a:r>
-                      <a:endParaRPr lang="pt-BR" sz="1200">
+                      <a:endParaRPr lang="pt-BR" sz="1800" dirty="0">
                         <a:solidFill>
                           <a:schemeClr val="bg1"/>
                         </a:solidFill>
@@ -4113,7 +4116,7 @@
                         </a:tabLst>
                       </a:pPr>
                       <a:r>
-                        <a:rPr lang="pt-BR" sz="1200" dirty="0">
+                        <a:rPr lang="pt-BR" sz="1800" dirty="0">
                           <a:solidFill>
                             <a:schemeClr val="bg1"/>
                           </a:solidFill>
@@ -4121,7 +4124,7 @@
                         </a:rPr>
                         <a:t>Conjunto 2</a:t>
                       </a:r>
-                      <a:endParaRPr lang="pt-BR" sz="1200" dirty="0">
+                      <a:endParaRPr lang="pt-BR" sz="1800" dirty="0">
                         <a:solidFill>
                           <a:schemeClr val="bg1"/>
                         </a:solidFill>
@@ -4192,12 +4195,12 @@
                         </a:tabLst>
                       </a:pPr>
                       <a:r>
-                        <a:rPr lang="pt-BR" sz="1200">
+                        <a:rPr lang="pt-BR" sz="1800">
                           <a:effectLst/>
                         </a:rPr>
                         <a:t>Bulbasaur</a:t>
                       </a:r>
-                      <a:endParaRPr lang="pt-BR" sz="1200">
+                      <a:endParaRPr lang="pt-BR" sz="1800">
                         <a:effectLst/>
                         <a:latin typeface="Times" panose="02020603050405020304" pitchFamily="18" charset="0"/>
                         <a:ea typeface="MS Mincho" panose="02020609040205080304" pitchFamily="49" charset="-128"/>
@@ -4245,12 +4248,12 @@
                         </a:tabLst>
                       </a:pPr>
                       <a:r>
-                        <a:rPr lang="pt-BR" sz="1200">
+                        <a:rPr lang="pt-BR" sz="2800" dirty="0">
                           <a:effectLst/>
                         </a:rPr>
                         <a:t>87.8%</a:t>
                       </a:r>
-                      <a:endParaRPr lang="pt-BR" sz="1200">
+                      <a:endParaRPr lang="pt-BR" sz="2800" dirty="0">
                         <a:effectLst/>
                         <a:latin typeface="Times" panose="02020603050405020304" pitchFamily="18" charset="0"/>
                         <a:ea typeface="MS Mincho" panose="02020609040205080304" pitchFamily="49" charset="-128"/>
@@ -4298,12 +4301,12 @@
                         </a:tabLst>
                       </a:pPr>
                       <a:r>
-                        <a:rPr lang="pt-BR" sz="1200">
+                        <a:rPr lang="pt-BR" sz="2800" dirty="0">
                           <a:effectLst/>
                         </a:rPr>
                         <a:t>51.2%</a:t>
                       </a:r>
-                      <a:endParaRPr lang="pt-BR" sz="1200">
+                      <a:endParaRPr lang="pt-BR" sz="2800" dirty="0">
                         <a:effectLst/>
                         <a:latin typeface="Times" panose="02020603050405020304" pitchFamily="18" charset="0"/>
                         <a:ea typeface="MS Mincho" panose="02020609040205080304" pitchFamily="49" charset="-128"/>
@@ -4351,12 +4354,12 @@
                         </a:tabLst>
                       </a:pPr>
                       <a:r>
-                        <a:rPr lang="pt-BR" sz="1200" dirty="0">
+                        <a:rPr lang="pt-BR" sz="2800" dirty="0">
                           <a:effectLst/>
                         </a:rPr>
                         <a:t>6.7%</a:t>
                       </a:r>
-                      <a:endParaRPr lang="pt-BR" sz="1200" dirty="0">
+                      <a:endParaRPr lang="pt-BR" sz="2800" dirty="0">
                         <a:effectLst/>
                         <a:latin typeface="Times" panose="02020603050405020304" pitchFamily="18" charset="0"/>
                         <a:ea typeface="MS Mincho" panose="02020609040205080304" pitchFamily="49" charset="-128"/>
@@ -4411,12 +4414,12 @@
                         </a:tabLst>
                       </a:pPr>
                       <a:r>
-                        <a:rPr lang="pt-BR" sz="1200">
+                        <a:rPr lang="pt-BR" sz="1800">
                           <a:effectLst/>
                         </a:rPr>
                         <a:t>Charmander</a:t>
                       </a:r>
-                      <a:endParaRPr lang="pt-BR" sz="1200">
+                      <a:endParaRPr lang="pt-BR" sz="1800">
                         <a:effectLst/>
                         <a:latin typeface="Times" panose="02020603050405020304" pitchFamily="18" charset="0"/>
                         <a:ea typeface="MS Mincho" panose="02020609040205080304" pitchFamily="49" charset="-128"/>
@@ -4464,12 +4467,12 @@
                         </a:tabLst>
                       </a:pPr>
                       <a:r>
-                        <a:rPr lang="pt-BR" sz="1200">
+                        <a:rPr lang="pt-BR" sz="2800">
                           <a:effectLst/>
                         </a:rPr>
                         <a:t>98.7%</a:t>
                       </a:r>
-                      <a:endParaRPr lang="pt-BR" sz="1200">
+                      <a:endParaRPr lang="pt-BR" sz="2800">
                         <a:effectLst/>
                         <a:latin typeface="Times" panose="02020603050405020304" pitchFamily="18" charset="0"/>
                         <a:ea typeface="MS Mincho" panose="02020609040205080304" pitchFamily="49" charset="-128"/>
@@ -4517,12 +4520,12 @@
                         </a:tabLst>
                       </a:pPr>
                       <a:r>
-                        <a:rPr lang="pt-BR" sz="1200">
+                        <a:rPr lang="pt-BR" sz="2800" dirty="0">
                           <a:effectLst/>
                         </a:rPr>
                         <a:t>62.5%</a:t>
                       </a:r>
-                      <a:endParaRPr lang="pt-BR" sz="1200">
+                      <a:endParaRPr lang="pt-BR" sz="2800" dirty="0">
                         <a:effectLst/>
                         <a:latin typeface="Times" panose="02020603050405020304" pitchFamily="18" charset="0"/>
                         <a:ea typeface="MS Mincho" panose="02020609040205080304" pitchFamily="49" charset="-128"/>
@@ -4571,12 +4574,12 @@
                         </a:tabLst>
                       </a:pPr>
                       <a:r>
-                        <a:rPr lang="pt-BR" sz="1200" dirty="0">
+                        <a:rPr lang="pt-BR" sz="2800" dirty="0">
                           <a:effectLst/>
                         </a:rPr>
                         <a:t>10%</a:t>
                       </a:r>
-                      <a:endParaRPr lang="pt-BR" sz="1200" dirty="0">
+                      <a:endParaRPr lang="pt-BR" sz="2800" dirty="0">
                         <a:effectLst/>
                         <a:latin typeface="Times" panose="02020603050405020304" pitchFamily="18" charset="0"/>
                         <a:ea typeface="MS Mincho" panose="02020609040205080304" pitchFamily="49" charset="-128"/>
@@ -4631,12 +4634,12 @@
                         </a:tabLst>
                       </a:pPr>
                       <a:r>
-                        <a:rPr lang="pt-BR" sz="1200">
+                        <a:rPr lang="pt-BR" sz="1800">
                           <a:effectLst/>
                         </a:rPr>
                         <a:t>Squirtle</a:t>
                       </a:r>
-                      <a:endParaRPr lang="pt-BR" sz="1200">
+                      <a:endParaRPr lang="pt-BR" sz="1800">
                         <a:effectLst/>
                         <a:latin typeface="Times" panose="02020603050405020304" pitchFamily="18" charset="0"/>
                         <a:ea typeface="MS Mincho" panose="02020609040205080304" pitchFamily="49" charset="-128"/>
@@ -4684,12 +4687,12 @@
                         </a:tabLst>
                       </a:pPr>
                       <a:r>
-                        <a:rPr lang="pt-BR" sz="1200">
+                        <a:rPr lang="pt-BR" sz="2800">
                           <a:effectLst/>
                         </a:rPr>
                         <a:t>99.3%</a:t>
                       </a:r>
-                      <a:endParaRPr lang="pt-BR" sz="1200">
+                      <a:endParaRPr lang="pt-BR" sz="2800">
                         <a:effectLst/>
                         <a:latin typeface="Times" panose="02020603050405020304" pitchFamily="18" charset="0"/>
                         <a:ea typeface="MS Mincho" panose="02020609040205080304" pitchFamily="49" charset="-128"/>
@@ -4737,12 +4740,12 @@
                         </a:tabLst>
                       </a:pPr>
                       <a:r>
-                        <a:rPr lang="pt-BR" sz="1200">
+                        <a:rPr lang="pt-BR" sz="2800" dirty="0">
                           <a:effectLst/>
                         </a:rPr>
                         <a:t>18.3%</a:t>
                       </a:r>
-                      <a:endParaRPr lang="pt-BR" sz="1200">
+                      <a:endParaRPr lang="pt-BR" sz="2800" dirty="0">
                         <a:effectLst/>
                         <a:latin typeface="Times" panose="02020603050405020304" pitchFamily="18" charset="0"/>
                         <a:ea typeface="MS Mincho" panose="02020609040205080304" pitchFamily="49" charset="-128"/>
@@ -4790,12 +4793,12 @@
                         </a:tabLst>
                       </a:pPr>
                       <a:r>
-                        <a:rPr lang="pt-BR" sz="1200" dirty="0">
+                        <a:rPr lang="pt-BR" sz="2800" dirty="0">
                           <a:effectLst/>
                         </a:rPr>
                         <a:t>2%</a:t>
                       </a:r>
-                      <a:endParaRPr lang="pt-BR" sz="1200" dirty="0">
+                      <a:endParaRPr lang="pt-BR" sz="2800" dirty="0">
                         <a:effectLst/>
                         <a:latin typeface="Times" panose="02020603050405020304" pitchFamily="18" charset="0"/>
                         <a:ea typeface="MS Mincho" panose="02020609040205080304" pitchFamily="49" charset="-128"/>

--- a/Image Recognition.pptx
+++ b/Image Recognition.pptx
@@ -7,9 +7,12 @@
   <p:sldIdLst>
     <p:sldId id="256" r:id="rId2"/>
     <p:sldId id="257" r:id="rId3"/>
-    <p:sldId id="258" r:id="rId4"/>
-    <p:sldId id="259" r:id="rId5"/>
-    <p:sldId id="260" r:id="rId6"/>
+    <p:sldId id="264" r:id="rId4"/>
+    <p:sldId id="258" r:id="rId5"/>
+    <p:sldId id="259" r:id="rId6"/>
+    <p:sldId id="263" r:id="rId7"/>
+    <p:sldId id="260" r:id="rId8"/>
+    <p:sldId id="261" r:id="rId9"/>
   </p:sldIdLst>
   <p:sldSz cx="12192000" cy="6858000"/>
   <p:notesSz cx="6858000" cy="9144000"/>
@@ -114,6 +117,10 @@
     </p:ext>
   </p:extLst>
 </p:presentation>
+</file>
+
+<file path=ppt/revisionInfo.xml><?xml version="1.0" encoding="utf-8"?>
+<p1510:revInfo xmlns:a="http://schemas.openxmlformats.org/drawingml/2006/main" xmlns:r="http://schemas.openxmlformats.org/officeDocument/2006/relationships" xmlns:p1510="http://schemas.microsoft.com/office/powerpoint/2015/10/main"/>
 </file>
 
 <file path=ppt/slideLayouts/slideLayout1.xml><?xml version="1.0" encoding="utf-8"?>
@@ -3238,19 +3245,87 @@
             </a:r>
           </a:p>
           <a:p>
-            <a:pPr>
+            <a:pPr marL="685800" lvl="2">
+              <a:spcBef>
+                <a:spcPts val="1000"/>
+              </a:spcBef>
+              <a:buSzPct val="100000"/>
               <a:buBlip>
-                <a:blip r:embed="rId3"/>
+                <a:blip r:embed="rId2"/>
               </a:buBlip>
             </a:pPr>
             <a:r>
-              <a:rPr lang="pt-BR" dirty="0">
+              <a:rPr lang="pt-BR" sz="2400" dirty="0">
                 <a:solidFill>
                   <a:srgbClr val="3465AF"/>
                 </a:solidFill>
               </a:rPr>
-              <a:t>Reconhecimento de Imagens</a:t>
-            </a:r>
+              <a:t>MCCULLOCH e PITTS, 1943 - RNA</a:t>
+            </a:r>
+          </a:p>
+          <a:p>
+            <a:pPr marL="685800" lvl="2">
+              <a:spcBef>
+                <a:spcPts val="1000"/>
+              </a:spcBef>
+              <a:buSzPct val="100000"/>
+              <a:buBlip>
+                <a:blip r:embed="rId2"/>
+              </a:buBlip>
+            </a:pPr>
+            <a:r>
+              <a:rPr lang="pt-BR" sz="2400" dirty="0">
+                <a:solidFill>
+                  <a:srgbClr val="3465AF"/>
+                </a:solidFill>
+              </a:rPr>
+              <a:t>ROSENBLATT, 1985 - </a:t>
+            </a:r>
+            <a:r>
+              <a:rPr lang="pt-BR" sz="2400" dirty="0" err="1">
+                <a:solidFill>
+                  <a:srgbClr val="3465AF"/>
+                </a:solidFill>
+              </a:rPr>
+              <a:t>Perceptron</a:t>
+            </a:r>
+            <a:endParaRPr lang="pt-BR" sz="2400" dirty="0">
+              <a:solidFill>
+                <a:srgbClr val="3465AF"/>
+              </a:solidFill>
+            </a:endParaRPr>
+          </a:p>
+          <a:p>
+            <a:pPr marL="685800" lvl="2">
+              <a:spcBef>
+                <a:spcPts val="1000"/>
+              </a:spcBef>
+              <a:buSzPct val="100000"/>
+              <a:buBlip>
+                <a:blip r:embed="rId2"/>
+              </a:buBlip>
+            </a:pPr>
+            <a:r>
+              <a:rPr lang="pt-BR" sz="2400" dirty="0">
+                <a:solidFill>
+                  <a:srgbClr val="3465AF"/>
+                </a:solidFill>
+              </a:rPr>
+              <a:t>WERBOS, 1975 - </a:t>
+            </a:r>
+            <a:r>
+              <a:rPr lang="pt-BR" sz="2400" dirty="0" err="1">
+                <a:solidFill>
+                  <a:srgbClr val="3465AF"/>
+                </a:solidFill>
+              </a:rPr>
+              <a:t>Backpropagation</a:t>
+            </a:r>
+            <a:endParaRPr lang="pt-BR" sz="2400" dirty="0">
+              <a:solidFill>
+                <a:srgbClr val="3465AF"/>
+              </a:solidFill>
+            </a:endParaRPr>
           </a:p>
         </p:txBody>
       </p:sp>
@@ -3261,7 +3336,7 @@
           <p:nvPr/>
         </p:nvPicPr>
         <p:blipFill rotWithShape="1">
-          <a:blip r:embed="rId4" cstate="print">
+          <a:blip r:embed="rId3" cstate="print">
             <a:extLst>
               <a:ext uri="{28A0092B-C50C-407E-A947-70E740481C1C}">
                 <a14:useLocalDpi xmlns:a14="http://schemas.microsoft.com/office/drawing/2010/main" val="0"/>
@@ -3273,48 +3348,8 @@
         </p:blipFill>
         <p:spPr bwMode="auto">
           <a:xfrm>
-            <a:off x="6628400" y="603676"/>
+            <a:off x="7301230" y="1521886"/>
             <a:ext cx="4052570" cy="2674545"/>
-          </a:xfrm>
-          <a:prstGeom prst="rect">
-            <a:avLst/>
-          </a:prstGeom>
-          <a:ln w="38100" cap="sq">
-            <a:solidFill>
-              <a:srgbClr val="000000"/>
-            </a:solidFill>
-            <a:prstDash val="solid"/>
-            <a:miter lim="800000"/>
-          </a:ln>
-          <a:effectLst>
-            <a:outerShdw blurRad="50800" dist="38100" dir="2700000" algn="tl" rotWithShape="0">
-              <a:srgbClr val="000000">
-                <a:alpha val="43000"/>
-              </a:srgbClr>
-            </a:outerShdw>
-          </a:effectLst>
-          <a:extLst>
-            <a:ext uri="{53640926-AAD7-44D8-BBD7-CCE9431645EC}">
-              <a14:shadowObscured xmlns:a14="http://schemas.microsoft.com/office/drawing/2010/main"/>
-            </a:ext>
-          </a:extLst>
-        </p:spPr>
-      </p:pic>
-      <p:pic>
-        <p:nvPicPr>
-          <p:cNvPr id="7" name="Imagem 6"/>
-          <p:cNvPicPr/>
-          <p:nvPr/>
-        </p:nvPicPr>
-        <p:blipFill rotWithShape="1">
-          <a:blip r:embed="rId5"/>
-          <a:srcRect b="11291"/>
-          <a:stretch/>
-        </p:blipFill>
-        <p:spPr bwMode="auto">
-          <a:xfrm>
-            <a:off x="1448139" y="3365669"/>
-            <a:ext cx="4261995" cy="2811294"/>
           </a:xfrm>
           <a:prstGeom prst="rect">
             <a:avLst/>
@@ -3349,7 +3384,7 @@
           <p:nvPr/>
         </p:nvPicPr>
         <p:blipFill>
-          <a:blip r:embed="rId6">
+          <a:blip r:embed="rId4">
             <a:extLst>
               <a:ext uri="{28A0092B-C50C-407E-A947-70E740481C1C}">
                 <a14:useLocalDpi xmlns:a14="http://schemas.microsoft.com/office/drawing/2010/main" val="0"/>
@@ -3395,6 +3430,181 @@
 </file>
 
 <file path=ppt/slides/slide3.xml><?xml version="1.0" encoding="utf-8"?>
+<p:sld xmlns:a="http://schemas.openxmlformats.org/drawingml/2006/main" xmlns:r="http://schemas.openxmlformats.org/officeDocument/2006/relationships" xmlns:p="http://schemas.openxmlformats.org/presentationml/2006/main">
+  <p:cSld>
+    <p:spTree>
+      <p:nvGrpSpPr>
+        <p:cNvPr id="1" name=""/>
+        <p:cNvGrpSpPr/>
+        <p:nvPr/>
+      </p:nvGrpSpPr>
+      <p:grpSpPr>
+        <a:xfrm>
+          <a:off x="0" y="0"/>
+          <a:ext cx="0" cy="0"/>
+          <a:chOff x="0" y="0"/>
+          <a:chExt cx="0" cy="0"/>
+        </a:xfrm>
+      </p:grpSpPr>
+      <p:sp>
+        <p:nvSpPr>
+          <p:cNvPr id="2" name="Título 1"/>
+          <p:cNvSpPr>
+            <a:spLocks noGrp="1"/>
+          </p:cNvSpPr>
+          <p:nvPr>
+            <p:ph type="title"/>
+          </p:nvPr>
+        </p:nvSpPr>
+        <p:spPr/>
+        <p:txBody>
+          <a:bodyPr/>
+          <a:lstStyle/>
+          <a:p>
+            <a:r>
+              <a:rPr lang="pt-BR" dirty="0">
+                <a:ln w="38100">
+                  <a:solidFill>
+                    <a:srgbClr val="3465AF"/>
+                  </a:solidFill>
+                </a:ln>
+                <a:solidFill>
+                  <a:srgbClr val="FFCB05"/>
+                </a:solidFill>
+                <a:latin typeface="Berlin Sans FB Demi" panose="020E0802020502020306" pitchFamily="34" charset="0"/>
+              </a:rPr>
+              <a:t>Reconhecimento de Imagem</a:t>
+            </a:r>
+            <a:endParaRPr lang="pt-BR" dirty="0"/>
+          </a:p>
+        </p:txBody>
+      </p:sp>
+      <p:sp>
+        <p:nvSpPr>
+          <p:cNvPr id="3" name="Espaço Reservado para Conteúdo 2"/>
+          <p:cNvSpPr>
+            <a:spLocks noGrp="1"/>
+          </p:cNvSpPr>
+          <p:nvPr>
+            <p:ph idx="1"/>
+          </p:nvPr>
+        </p:nvSpPr>
+        <p:spPr/>
+        <p:txBody>
+          <a:bodyPr/>
+          <a:lstStyle/>
+          <a:p>
+            <a:pPr>
+              <a:buBlip>
+                <a:blip r:embed="rId2"/>
+              </a:buBlip>
+            </a:pPr>
+            <a:r>
+              <a:rPr lang="pt-BR" dirty="0">
+                <a:solidFill>
+                  <a:srgbClr val="3465AF"/>
+                </a:solidFill>
+              </a:rPr>
+              <a:t>Reconhecimento de Imagens</a:t>
+            </a:r>
+          </a:p>
+        </p:txBody>
+      </p:sp>
+      <p:pic>
+        <p:nvPicPr>
+          <p:cNvPr id="7" name="Imagem 6"/>
+          <p:cNvPicPr/>
+          <p:nvPr/>
+        </p:nvPicPr>
+        <p:blipFill rotWithShape="1">
+          <a:blip r:embed="rId3"/>
+          <a:srcRect b="11291"/>
+          <a:stretch/>
+        </p:blipFill>
+        <p:spPr bwMode="auto">
+          <a:xfrm>
+            <a:off x="2123641" y="2925721"/>
+            <a:ext cx="4261995" cy="2811294"/>
+          </a:xfrm>
+          <a:prstGeom prst="rect">
+            <a:avLst/>
+          </a:prstGeom>
+          <a:ln w="38100" cap="sq">
+            <a:solidFill>
+              <a:srgbClr val="000000"/>
+            </a:solidFill>
+            <a:prstDash val="solid"/>
+            <a:miter lim="800000"/>
+          </a:ln>
+          <a:effectLst>
+            <a:outerShdw blurRad="50800" dist="38100" dir="2700000" algn="tl" rotWithShape="0">
+              <a:srgbClr val="000000">
+                <a:alpha val="43000"/>
+              </a:srgbClr>
+            </a:outerShdw>
+          </a:effectLst>
+          <a:extLst>
+            <a:ext uri="{53640926-AAD7-44D8-BBD7-CCE9431645EC}">
+              <a14:shadowObscured xmlns:a14="http://schemas.microsoft.com/office/drawing/2010/main"/>
+            </a:ext>
+          </a:extLst>
+        </p:spPr>
+      </p:pic>
+      <p:pic>
+        <p:nvPicPr>
+          <p:cNvPr id="1028" name="Picture 4" descr="Resultado de imagem para pokémon bulbasaur charmander squirtle"/>
+          <p:cNvPicPr>
+            <a:picLocks noChangeAspect="1" noChangeArrowheads="1"/>
+          </p:cNvPicPr>
+          <p:nvPr/>
+        </p:nvPicPr>
+        <p:blipFill>
+          <a:blip r:embed="rId4">
+            <a:extLst>
+              <a:ext uri="{28A0092B-C50C-407E-A947-70E740481C1C}">
+                <a14:useLocalDpi xmlns:a14="http://schemas.microsoft.com/office/drawing/2010/main" val="0"/>
+              </a:ext>
+            </a:extLst>
+          </a:blip>
+          <a:srcRect/>
+          <a:stretch>
+            <a:fillRect/>
+          </a:stretch>
+        </p:blipFill>
+        <p:spPr bwMode="auto">
+          <a:xfrm>
+            <a:off x="7834630" y="4331368"/>
+            <a:ext cx="4357369" cy="2261520"/>
+          </a:xfrm>
+          <a:prstGeom prst="rect">
+            <a:avLst/>
+          </a:prstGeom>
+          <a:noFill/>
+          <a:extLst>
+            <a:ext uri="{909E8E84-426E-40DD-AFC4-6F175D3DCCD1}">
+              <a14:hiddenFill xmlns:a14="http://schemas.microsoft.com/office/drawing/2010/main">
+                <a:solidFill>
+                  <a:srgbClr val="FFFFFF"/>
+                </a:solidFill>
+              </a14:hiddenFill>
+            </a:ext>
+          </a:extLst>
+        </p:spPr>
+      </p:pic>
+    </p:spTree>
+    <p:extLst>
+      <p:ext uri="{BB962C8B-B14F-4D97-AF65-F5344CB8AC3E}">
+        <p14:creationId xmlns:p14="http://schemas.microsoft.com/office/powerpoint/2010/main" val="1984391883"/>
+      </p:ext>
+    </p:extLst>
+  </p:cSld>
+  <p:clrMapOvr>
+    <a:masterClrMapping/>
+  </p:clrMapOvr>
+</p:sld>
+</file>
+
+<file path=ppt/slides/slide4.xml><?xml version="1.0" encoding="utf-8"?>
 <p:sld xmlns:a="http://schemas.openxmlformats.org/drawingml/2006/main" xmlns:r="http://schemas.openxmlformats.org/officeDocument/2006/relationships" xmlns:p="http://schemas.openxmlformats.org/presentationml/2006/main">
   <p:cSld>
     <p:spTree>
@@ -3603,7 +3813,7 @@
 </p:sld>
 </file>
 
-<file path=ppt/slides/slide4.xml><?xml version="1.0" encoding="utf-8"?>
+<file path=ppt/slides/slide5.xml><?xml version="1.0" encoding="utf-8"?>
 <p:sld xmlns:a="http://schemas.openxmlformats.org/drawingml/2006/main" xmlns:r="http://schemas.openxmlformats.org/officeDocument/2006/relationships" xmlns:p="http://schemas.openxmlformats.org/presentationml/2006/main">
   <p:cSld>
     <p:spTree>
@@ -3674,6 +3884,19 @@
                 <a:blip r:embed="rId2"/>
               </a:buBlip>
             </a:pPr>
+            <a:endParaRPr lang="pt-BR" dirty="0">
+              <a:solidFill>
+                <a:srgbClr val="3465AF"/>
+              </a:solidFill>
+            </a:endParaRPr>
+          </a:p>
+          <a:p>
+            <a:pPr>
+              <a:buSzPct val="100000"/>
+              <a:buBlip>
+                <a:blip r:embed="rId2"/>
+              </a:buBlip>
+            </a:pPr>
             <a:r>
               <a:rPr lang="pt-BR" dirty="0">
                 <a:solidFill>
@@ -3684,6 +3907,17 @@
             </a:r>
           </a:p>
           <a:p>
+            <a:pPr marL="0" indent="0">
+              <a:buSzPct val="100000"/>
+              <a:buNone/>
+            </a:pPr>
+            <a:endParaRPr lang="pt-BR" dirty="0">
+              <a:solidFill>
+                <a:srgbClr val="3465AF"/>
+              </a:solidFill>
+            </a:endParaRPr>
+          </a:p>
+          <a:p>
             <a:pPr>
               <a:buBlip>
                 <a:blip r:embed="rId3"/>
@@ -3699,9 +3933,9 @@
             </a:r>
           </a:p>
           <a:p>
-            <a:pPr>
+            <a:pPr lvl="1">
               <a:buBlip>
-                <a:blip r:embed="rId4"/>
+                <a:blip r:embed="rId3"/>
               </a:buBlip>
             </a:pPr>
             <a:r>
@@ -3710,7 +3944,37 @@
                   <a:srgbClr val="3465AF"/>
                 </a:solidFill>
               </a:rPr>
-              <a:t>Experimentos e Resultados</a:t>
+              <a:t>Iterações: 50000</a:t>
+            </a:r>
+          </a:p>
+          <a:p>
+            <a:pPr lvl="1">
+              <a:buBlip>
+                <a:blip r:embed="rId3"/>
+              </a:buBlip>
+            </a:pPr>
+            <a:r>
+              <a:rPr lang="pt-BR" dirty="0">
+                <a:solidFill>
+                  <a:srgbClr val="3465AF"/>
+                </a:solidFill>
+              </a:rPr>
+              <a:t>Taxa de Erro: 0.0000001</a:t>
+            </a:r>
+          </a:p>
+          <a:p>
+            <a:pPr lvl="1">
+              <a:buBlip>
+                <a:blip r:embed="rId3"/>
+              </a:buBlip>
+            </a:pPr>
+            <a:r>
+              <a:rPr lang="pt-BR" dirty="0">
+                <a:solidFill>
+                  <a:srgbClr val="3465AF"/>
+                </a:solidFill>
+              </a:rPr>
+              <a:t>Taxa de Aprendizagem: 0.001</a:t>
             </a:r>
           </a:p>
         </p:txBody>
@@ -3724,7 +3988,7 @@
           <p:nvPr/>
         </p:nvPicPr>
         <p:blipFill>
-          <a:blip r:embed="rId5">
+          <a:blip r:embed="rId4">
             <a:grayscl/>
             <a:extLst>
               <a:ext uri="{28A0092B-C50C-407E-A947-70E740481C1C}">
@@ -3766,25 +4030,38 @@
           <p:nvPr/>
         </p:nvPicPr>
         <p:blipFill rotWithShape="1">
-          <a:blip r:embed="rId6">
+          <a:blip r:embed="rId5">
             <a:extLst>
               <a:ext uri="{28A0092B-C50C-407E-A947-70E740481C1C}">
                 <a14:useLocalDpi xmlns:a14="http://schemas.microsoft.com/office/drawing/2010/main" val="0"/>
               </a:ext>
             </a:extLst>
           </a:blip>
-          <a:srcRect l="47106" t="46507" r="45330" b="31986"/>
+          <a:srcRect l="47737" t="48423" r="46264" b="33695"/>
           <a:stretch/>
         </p:blipFill>
         <p:spPr bwMode="auto">
           <a:xfrm>
-            <a:off x="8134066" y="519011"/>
-            <a:ext cx="3219734" cy="3051398"/>
+            <a:off x="8534401" y="1378189"/>
+            <a:ext cx="2553729" cy="2537254"/>
           </a:xfrm>
           <a:prstGeom prst="rect">
             <a:avLst/>
           </a:prstGeom>
-          <a:noFill/>
+          <a:ln w="38100" cap="sq">
+            <a:solidFill>
+              <a:srgbClr val="000000"/>
+            </a:solidFill>
+            <a:prstDash val="solid"/>
+            <a:miter lim="800000"/>
+          </a:ln>
+          <a:effectLst>
+            <a:outerShdw blurRad="50800" dist="38100" dir="2700000" algn="tl" rotWithShape="0">
+              <a:srgbClr val="000000">
+                <a:alpha val="43000"/>
+              </a:srgbClr>
+            </a:outerShdw>
+          </a:effectLst>
           <a:extLst>
             <a:ext uri="{909E8E84-426E-40DD-AFC4-6F175D3DCCD1}">
               <a14:hiddenFill xmlns:a14="http://schemas.microsoft.com/office/drawing/2010/main">
@@ -3796,6 +4073,69 @@
           </a:extLst>
         </p:spPr>
       </p:pic>
+    </p:spTree>
+    <p:extLst>
+      <p:ext uri="{BB962C8B-B14F-4D97-AF65-F5344CB8AC3E}">
+        <p14:creationId xmlns:p14="http://schemas.microsoft.com/office/powerpoint/2010/main" val="1991382613"/>
+      </p:ext>
+    </p:extLst>
+  </p:cSld>
+  <p:clrMapOvr>
+    <a:masterClrMapping/>
+  </p:clrMapOvr>
+</p:sld>
+</file>
+
+<file path=ppt/slides/slide6.xml><?xml version="1.0" encoding="utf-8"?>
+<p:sld xmlns:a="http://schemas.openxmlformats.org/drawingml/2006/main" xmlns:r="http://schemas.openxmlformats.org/officeDocument/2006/relationships" xmlns:p="http://schemas.openxmlformats.org/presentationml/2006/main">
+  <p:cSld>
+    <p:spTree>
+      <p:nvGrpSpPr>
+        <p:cNvPr id="1" name=""/>
+        <p:cNvGrpSpPr/>
+        <p:nvPr/>
+      </p:nvGrpSpPr>
+      <p:grpSpPr>
+        <a:xfrm>
+          <a:off x="0" y="0"/>
+          <a:ext cx="0" cy="0"/>
+          <a:chOff x="0" y="0"/>
+          <a:chExt cx="0" cy="0"/>
+        </a:xfrm>
+      </p:grpSpPr>
+      <p:sp>
+        <p:nvSpPr>
+          <p:cNvPr id="2" name="Título 1"/>
+          <p:cNvSpPr>
+            <a:spLocks noGrp="1"/>
+          </p:cNvSpPr>
+          <p:nvPr>
+            <p:ph type="title"/>
+          </p:nvPr>
+        </p:nvSpPr>
+        <p:spPr/>
+        <p:txBody>
+          <a:bodyPr/>
+          <a:lstStyle/>
+          <a:p>
+            <a:r>
+              <a:rPr lang="pt-BR" dirty="0">
+                <a:ln w="38100">
+                  <a:solidFill>
+                    <a:srgbClr val="3465AF"/>
+                  </a:solidFill>
+                </a:ln>
+                <a:solidFill>
+                  <a:srgbClr val="FFCB05"/>
+                </a:solidFill>
+                <a:latin typeface="Berlin Sans FB Demi" panose="020E0802020502020306" pitchFamily="34" charset="0"/>
+              </a:rPr>
+              <a:t>Experimentos e Resultados</a:t>
+            </a:r>
+            <a:endParaRPr lang="pt-BR" dirty="0"/>
+          </a:p>
+        </p:txBody>
+      </p:sp>
       <p:graphicFrame>
         <p:nvGraphicFramePr>
           <p:cNvPr id="4" name="Tabela 3"/>
@@ -3805,14 +4145,14 @@
           <p:nvPr>
             <p:extLst>
               <p:ext uri="{D42A27DB-BD31-4B8C-83A1-F6EECF244321}">
-                <p14:modId xmlns:p14="http://schemas.microsoft.com/office/powerpoint/2010/main" val="780258920"/>
+                <p14:modId xmlns:p14="http://schemas.microsoft.com/office/powerpoint/2010/main" val="2588687382"/>
               </p:ext>
             </p:extLst>
           </p:nvPr>
         </p:nvGraphicFramePr>
         <p:xfrm>
-          <a:off x="661737" y="3794464"/>
-          <a:ext cx="6769336" cy="2119028"/>
+          <a:off x="768829" y="1832127"/>
+          <a:ext cx="7922092" cy="3283570"/>
         </p:xfrm>
         <a:graphic>
           <a:graphicData uri="http://schemas.openxmlformats.org/drawingml/2006/table">
@@ -3821,28 +4161,28 @@
                 <a:tableStyleId>{5C22544A-7EE6-4342-B048-85BDC9FD1C3A}</a:tableStyleId>
               </a:tblPr>
               <a:tblGrid>
-                <a:gridCol w="1692334">
+                <a:gridCol w="1980523">
                   <a:extLst>
                     <a:ext uri="{9D8B030D-6E8A-4147-A177-3AD203B41FA5}">
                       <a16:colId xmlns:a16="http://schemas.microsoft.com/office/drawing/2014/main" val="3925056430"/>
                     </a:ext>
                   </a:extLst>
                 </a:gridCol>
-                <a:gridCol w="1692334">
+                <a:gridCol w="1980523">
                   <a:extLst>
                     <a:ext uri="{9D8B030D-6E8A-4147-A177-3AD203B41FA5}">
                       <a16:colId xmlns:a16="http://schemas.microsoft.com/office/drawing/2014/main" val="2107503146"/>
                     </a:ext>
                   </a:extLst>
                 </a:gridCol>
-                <a:gridCol w="1692334">
+                <a:gridCol w="1980523">
                   <a:extLst>
                     <a:ext uri="{9D8B030D-6E8A-4147-A177-3AD203B41FA5}">
                       <a16:colId xmlns:a16="http://schemas.microsoft.com/office/drawing/2014/main" val="2457128161"/>
                     </a:ext>
                   </a:extLst>
                 </a:gridCol>
-                <a:gridCol w="1692334">
+                <a:gridCol w="1980523">
                   <a:extLst>
                     <a:ext uri="{9D8B030D-6E8A-4147-A177-3AD203B41FA5}">
                       <a16:colId xmlns:a16="http://schemas.microsoft.com/office/drawing/2014/main" val="3497775463"/>
@@ -3850,13 +4190,13 @@
                   </a:extLst>
                 </a:gridCol>
               </a:tblGrid>
-              <a:tr h="419434">
+              <a:tr h="649940">
                 <a:tc rowSpan="2">
                   <a:txBody>
                     <a:bodyPr/>
                     <a:lstStyle/>
                     <a:p>
-                      <a:pPr algn="just">
+                      <a:pPr algn="ctr">
                         <a:spcBef>
                           <a:spcPts val="600"/>
                         </a:spcBef>
@@ -3881,7 +4221,7 @@
                       </a:endParaRPr>
                     </a:p>
                   </a:txBody>
-                  <a:tcPr marL="68580" marR="68580" marT="0" marB="0">
+                  <a:tcPr marL="68580" marR="68580" marT="0" marB="0" anchor="ctr">
                     <a:lnL w="12700" cmpd="sng">
                       <a:noFill/>
                     </a:lnL>
@@ -4026,7 +4366,7 @@
                   </a:ext>
                 </a:extLst>
               </a:tr>
-              <a:tr h="419434">
+              <a:tr h="649940">
                 <a:tc vMerge="1">
                   <a:txBody>
                     <a:bodyPr/>
@@ -4177,13 +4517,13 @@
                   </a:ext>
                 </a:extLst>
               </a:tr>
-              <a:tr h="419434">
+              <a:tr h="661230">
                 <a:tc>
                   <a:txBody>
                     <a:bodyPr/>
                     <a:lstStyle/>
                     <a:p>
-                      <a:pPr algn="just">
+                      <a:pPr algn="ctr">
                         <a:spcBef>
                           <a:spcPts val="600"/>
                         </a:spcBef>
@@ -4208,7 +4548,7 @@
                       </a:endParaRPr>
                     </a:p>
                   </a:txBody>
-                  <a:tcPr marL="68580" marR="68580" marT="0" marB="0">
+                  <a:tcPr marL="68580" marR="68580" marT="0" marB="0" anchor="ctr">
                     <a:lnL w="12700" cmpd="sng">
                       <a:noFill/>
                     </a:lnL>
@@ -4248,12 +4588,12 @@
                         </a:tabLst>
                       </a:pPr>
                       <a:r>
-                        <a:rPr lang="pt-BR" sz="2800" dirty="0">
+                        <a:rPr lang="pt-BR" sz="2000" dirty="0">
                           <a:effectLst/>
                         </a:rPr>
                         <a:t>87.8%</a:t>
                       </a:r>
-                      <a:endParaRPr lang="pt-BR" sz="2800" dirty="0">
+                      <a:endParaRPr lang="pt-BR" sz="2000" dirty="0">
                         <a:effectLst/>
                         <a:latin typeface="Times" panose="02020603050405020304" pitchFamily="18" charset="0"/>
                         <a:ea typeface="MS Mincho" panose="02020609040205080304" pitchFamily="49" charset="-128"/>
@@ -4261,7 +4601,7 @@
                       </a:endParaRPr>
                     </a:p>
                   </a:txBody>
-                  <a:tcPr marL="68580" marR="68580" marT="0" marB="0">
+                  <a:tcPr marL="68580" marR="68580" marT="0" marB="0" anchor="ctr">
                     <a:lnL w="12700" cmpd="sng">
                       <a:noFill/>
                     </a:lnL>
@@ -4301,12 +4641,12 @@
                         </a:tabLst>
                       </a:pPr>
                       <a:r>
-                        <a:rPr lang="pt-BR" sz="2800" dirty="0">
+                        <a:rPr lang="pt-BR" sz="2000" dirty="0">
                           <a:effectLst/>
                         </a:rPr>
                         <a:t>51.2%</a:t>
                       </a:r>
-                      <a:endParaRPr lang="pt-BR" sz="2800" dirty="0">
+                      <a:endParaRPr lang="pt-BR" sz="2000" dirty="0">
                         <a:effectLst/>
                         <a:latin typeface="Times" panose="02020603050405020304" pitchFamily="18" charset="0"/>
                         <a:ea typeface="MS Mincho" panose="02020609040205080304" pitchFamily="49" charset="-128"/>
@@ -4314,7 +4654,7 @@
                       </a:endParaRPr>
                     </a:p>
                   </a:txBody>
-                  <a:tcPr marL="68580" marR="68580" marT="0" marB="0">
+                  <a:tcPr marL="68580" marR="68580" marT="0" marB="0" anchor="ctr">
                     <a:lnL w="12700" cmpd="sng">
                       <a:noFill/>
                     </a:lnL>
@@ -4354,12 +4694,12 @@
                         </a:tabLst>
                       </a:pPr>
                       <a:r>
-                        <a:rPr lang="pt-BR" sz="2800" dirty="0">
+                        <a:rPr lang="pt-BR" sz="2000" dirty="0">
                           <a:effectLst/>
                         </a:rPr>
                         <a:t>6.7%</a:t>
                       </a:r>
-                      <a:endParaRPr lang="pt-BR" sz="2800" dirty="0">
+                      <a:endParaRPr lang="pt-BR" sz="2000" dirty="0">
                         <a:effectLst/>
                         <a:latin typeface="Times" panose="02020603050405020304" pitchFamily="18" charset="0"/>
                         <a:ea typeface="MS Mincho" panose="02020609040205080304" pitchFamily="49" charset="-128"/>
@@ -4367,7 +4707,7 @@
                       </a:endParaRPr>
                     </a:p>
                   </a:txBody>
-                  <a:tcPr marL="68580" marR="68580" marT="0" marB="0">
+                  <a:tcPr marL="68580" marR="68580" marT="0" marB="0" anchor="ctr">
                     <a:lnL w="12700" cmpd="sng">
                       <a:noFill/>
                     </a:lnL>
@@ -4396,13 +4736,13 @@
                   </a:ext>
                 </a:extLst>
               </a:tr>
-              <a:tr h="419434">
+              <a:tr h="661230">
                 <a:tc>
                   <a:txBody>
                     <a:bodyPr/>
                     <a:lstStyle/>
                     <a:p>
-                      <a:pPr algn="just">
+                      <a:pPr algn="ctr">
                         <a:spcBef>
                           <a:spcPts val="600"/>
                         </a:spcBef>
@@ -4427,7 +4767,7 @@
                       </a:endParaRPr>
                     </a:p>
                   </a:txBody>
-                  <a:tcPr marL="68580" marR="68580" marT="0" marB="0">
+                  <a:tcPr marL="68580" marR="68580" marT="0" marB="0" anchor="ctr">
                     <a:lnL w="12700" cmpd="sng">
                       <a:noFill/>
                     </a:lnL>
@@ -4467,12 +4807,12 @@
                         </a:tabLst>
                       </a:pPr>
                       <a:r>
-                        <a:rPr lang="pt-BR" sz="2800">
+                        <a:rPr lang="pt-BR" sz="2000" dirty="0">
                           <a:effectLst/>
                         </a:rPr>
                         <a:t>98.7%</a:t>
                       </a:r>
-                      <a:endParaRPr lang="pt-BR" sz="2800">
+                      <a:endParaRPr lang="pt-BR" sz="2000" dirty="0">
                         <a:effectLst/>
                         <a:latin typeface="Times" panose="02020603050405020304" pitchFamily="18" charset="0"/>
                         <a:ea typeface="MS Mincho" panose="02020609040205080304" pitchFamily="49" charset="-128"/>
@@ -4480,7 +4820,7 @@
                       </a:endParaRPr>
                     </a:p>
                   </a:txBody>
-                  <a:tcPr marL="68580" marR="68580" marT="0" marB="0">
+                  <a:tcPr marL="68580" marR="68580" marT="0" marB="0" anchor="ctr">
                     <a:lnL w="12700" cmpd="sng">
                       <a:noFill/>
                     </a:lnL>
@@ -4520,12 +4860,12 @@
                         </a:tabLst>
                       </a:pPr>
                       <a:r>
-                        <a:rPr lang="pt-BR" sz="2800" dirty="0">
+                        <a:rPr lang="pt-BR" sz="2000" dirty="0">
                           <a:effectLst/>
                         </a:rPr>
                         <a:t>62.5%</a:t>
                       </a:r>
-                      <a:endParaRPr lang="pt-BR" sz="2800" dirty="0">
+                      <a:endParaRPr lang="pt-BR" sz="2000" dirty="0">
                         <a:effectLst/>
                         <a:latin typeface="Times" panose="02020603050405020304" pitchFamily="18" charset="0"/>
                         <a:ea typeface="MS Mincho" panose="02020609040205080304" pitchFamily="49" charset="-128"/>
@@ -4533,7 +4873,7 @@
                       </a:endParaRPr>
                     </a:p>
                   </a:txBody>
-                  <a:tcPr marL="68580" marR="68580" marT="0" marB="0">
+                  <a:tcPr marL="68580" marR="68580" marT="0" marB="0" anchor="ctr">
                     <a:lnL w="12700" cmpd="sng">
                       <a:noFill/>
                     </a:lnL>
@@ -4574,12 +4914,12 @@
                         </a:tabLst>
                       </a:pPr>
                       <a:r>
-                        <a:rPr lang="pt-BR" sz="2800" dirty="0">
+                        <a:rPr lang="pt-BR" sz="2000" dirty="0">
                           <a:effectLst/>
                         </a:rPr>
                         <a:t>10%</a:t>
                       </a:r>
-                      <a:endParaRPr lang="pt-BR" sz="2800" dirty="0">
+                      <a:endParaRPr lang="pt-BR" sz="2000" dirty="0">
                         <a:effectLst/>
                         <a:latin typeface="Times" panose="02020603050405020304" pitchFamily="18" charset="0"/>
                         <a:ea typeface="MS Mincho" panose="02020609040205080304" pitchFamily="49" charset="-128"/>
@@ -4587,7 +4927,7 @@
                       </a:endParaRPr>
                     </a:p>
                   </a:txBody>
-                  <a:tcPr marL="68580" marR="68580" marT="0" marB="0">
+                  <a:tcPr marL="68580" marR="68580" marT="0" marB="0" anchor="ctr">
                     <a:lnL w="12700" cmpd="sng">
                       <a:noFill/>
                     </a:lnL>
@@ -4616,13 +4956,13 @@
                   </a:ext>
                 </a:extLst>
               </a:tr>
-              <a:tr h="419434">
+              <a:tr h="661230">
                 <a:tc>
                   <a:txBody>
                     <a:bodyPr/>
                     <a:lstStyle/>
                     <a:p>
-                      <a:pPr algn="just">
+                      <a:pPr algn="ctr">
                         <a:spcBef>
                           <a:spcPts val="600"/>
                         </a:spcBef>
@@ -4647,7 +4987,7 @@
                       </a:endParaRPr>
                     </a:p>
                   </a:txBody>
-                  <a:tcPr marL="68580" marR="68580" marT="0" marB="0">
+                  <a:tcPr marL="68580" marR="68580" marT="0" marB="0" anchor="ctr">
                     <a:lnL w="12700" cmpd="sng">
                       <a:noFill/>
                     </a:lnL>
@@ -4687,12 +5027,12 @@
                         </a:tabLst>
                       </a:pPr>
                       <a:r>
-                        <a:rPr lang="pt-BR" sz="2800">
+                        <a:rPr lang="pt-BR" sz="2000">
                           <a:effectLst/>
                         </a:rPr>
                         <a:t>99.3%</a:t>
                       </a:r>
-                      <a:endParaRPr lang="pt-BR" sz="2800">
+                      <a:endParaRPr lang="pt-BR" sz="2000">
                         <a:effectLst/>
                         <a:latin typeface="Times" panose="02020603050405020304" pitchFamily="18" charset="0"/>
                         <a:ea typeface="MS Mincho" panose="02020609040205080304" pitchFamily="49" charset="-128"/>
@@ -4700,7 +5040,7 @@
                       </a:endParaRPr>
                     </a:p>
                   </a:txBody>
-                  <a:tcPr marL="68580" marR="68580" marT="0" marB="0">
+                  <a:tcPr marL="68580" marR="68580" marT="0" marB="0" anchor="ctr">
                     <a:lnL w="12700" cmpd="sng">
                       <a:noFill/>
                     </a:lnL>
@@ -4740,12 +5080,12 @@
                         </a:tabLst>
                       </a:pPr>
                       <a:r>
-                        <a:rPr lang="pt-BR" sz="2800" dirty="0">
+                        <a:rPr lang="pt-BR" sz="2000" dirty="0">
                           <a:effectLst/>
                         </a:rPr>
                         <a:t>18.3%</a:t>
                       </a:r>
-                      <a:endParaRPr lang="pt-BR" sz="2800" dirty="0">
+                      <a:endParaRPr lang="pt-BR" sz="2000" dirty="0">
                         <a:effectLst/>
                         <a:latin typeface="Times" panose="02020603050405020304" pitchFamily="18" charset="0"/>
                         <a:ea typeface="MS Mincho" panose="02020609040205080304" pitchFamily="49" charset="-128"/>
@@ -4753,7 +5093,7 @@
                       </a:endParaRPr>
                     </a:p>
                   </a:txBody>
-                  <a:tcPr marL="68580" marR="68580" marT="0" marB="0">
+                  <a:tcPr marL="68580" marR="68580" marT="0" marB="0" anchor="ctr">
                     <a:lnL w="12700" cmpd="sng">
                       <a:noFill/>
                     </a:lnL>
@@ -4793,12 +5133,12 @@
                         </a:tabLst>
                       </a:pPr>
                       <a:r>
-                        <a:rPr lang="pt-BR" sz="2800" dirty="0">
+                        <a:rPr lang="pt-BR" sz="2000" dirty="0">
                           <a:effectLst/>
                         </a:rPr>
                         <a:t>2%</a:t>
                       </a:r>
-                      <a:endParaRPr lang="pt-BR" sz="2800" dirty="0">
+                      <a:endParaRPr lang="pt-BR" sz="2000" dirty="0">
                         <a:effectLst/>
                         <a:latin typeface="Times" panose="02020603050405020304" pitchFamily="18" charset="0"/>
                         <a:ea typeface="MS Mincho" panose="02020609040205080304" pitchFamily="49" charset="-128"/>
@@ -4806,7 +5146,7 @@
                       </a:endParaRPr>
                     </a:p>
                   </a:txBody>
-                  <a:tcPr marL="68580" marR="68580" marT="0" marB="0">
+                  <a:tcPr marL="68580" marR="68580" marT="0" marB="0" anchor="ctr">
                     <a:lnL w="12700" cmpd="sng">
                       <a:noFill/>
                     </a:lnL>
@@ -4839,10 +5179,51 @@
           </a:graphicData>
         </a:graphic>
       </p:graphicFrame>
+      <p:pic>
+        <p:nvPicPr>
+          <p:cNvPr id="8" name="Picture 4" descr="Resultado de imagem para pokémon bulbasaur charmander squirtle"/>
+          <p:cNvPicPr>
+            <a:picLocks noChangeAspect="1" noChangeArrowheads="1"/>
+          </p:cNvPicPr>
+          <p:nvPr/>
+        </p:nvPicPr>
+        <p:blipFill>
+          <a:blip r:embed="rId2">
+            <a:extLst>
+              <a:ext uri="{28A0092B-C50C-407E-A947-70E740481C1C}">
+                <a14:useLocalDpi xmlns:a14="http://schemas.microsoft.com/office/drawing/2010/main" val="0"/>
+              </a:ext>
+            </a:extLst>
+          </a:blip>
+          <a:srcRect/>
+          <a:stretch>
+            <a:fillRect/>
+          </a:stretch>
+        </p:blipFill>
+        <p:spPr bwMode="auto">
+          <a:xfrm>
+            <a:off x="7834630" y="4331368"/>
+            <a:ext cx="4357369" cy="2261520"/>
+          </a:xfrm>
+          <a:prstGeom prst="rect">
+            <a:avLst/>
+          </a:prstGeom>
+          <a:noFill/>
+          <a:extLst>
+            <a:ext uri="{909E8E84-426E-40DD-AFC4-6F175D3DCCD1}">
+              <a14:hiddenFill xmlns:a14="http://schemas.microsoft.com/office/drawing/2010/main">
+                <a:solidFill>
+                  <a:srgbClr val="FFFFFF"/>
+                </a:solidFill>
+              </a14:hiddenFill>
+            </a:ext>
+          </a:extLst>
+        </p:spPr>
+      </p:pic>
     </p:spTree>
     <p:extLst>
       <p:ext uri="{BB962C8B-B14F-4D97-AF65-F5344CB8AC3E}">
-        <p14:creationId xmlns:p14="http://schemas.microsoft.com/office/powerpoint/2010/main" val="1991382613"/>
+        <p14:creationId xmlns:p14="http://schemas.microsoft.com/office/powerpoint/2010/main" val="1173360775"/>
       </p:ext>
     </p:extLst>
   </p:cSld>
@@ -4852,7 +5233,7 @@
 </p:sld>
 </file>
 
-<file path=ppt/slides/slide5.xml><?xml version="1.0" encoding="utf-8"?>
+<file path=ppt/slides/slide7.xml><?xml version="1.0" encoding="utf-8"?>
 <p:sld xmlns:a="http://schemas.openxmlformats.org/drawingml/2006/main" xmlns:r="http://schemas.openxmlformats.org/officeDocument/2006/relationships" xmlns:p="http://schemas.openxmlformats.org/presentationml/2006/main">
   <p:cSld>
     <p:spTree>
@@ -5024,6 +5405,223 @@
     <p:extLst>
       <p:ext uri="{BB962C8B-B14F-4D97-AF65-F5344CB8AC3E}">
         <p14:creationId xmlns:p14="http://schemas.microsoft.com/office/powerpoint/2010/main" val="3311968814"/>
+      </p:ext>
+    </p:extLst>
+  </p:cSld>
+  <p:clrMapOvr>
+    <a:masterClrMapping/>
+  </p:clrMapOvr>
+</p:sld>
+</file>
+
+<file path=ppt/slides/slide8.xml><?xml version="1.0" encoding="utf-8"?>
+<p:sld xmlns:a="http://schemas.openxmlformats.org/drawingml/2006/main" xmlns:r="http://schemas.openxmlformats.org/officeDocument/2006/relationships" xmlns:p="http://schemas.openxmlformats.org/presentationml/2006/main">
+  <p:cSld>
+    <p:spTree>
+      <p:nvGrpSpPr>
+        <p:cNvPr id="1" name=""/>
+        <p:cNvGrpSpPr/>
+        <p:nvPr/>
+      </p:nvGrpSpPr>
+      <p:grpSpPr>
+        <a:xfrm>
+          <a:off x="0" y="0"/>
+          <a:ext cx="0" cy="0"/>
+          <a:chOff x="0" y="0"/>
+          <a:chExt cx="0" cy="0"/>
+        </a:xfrm>
+      </p:grpSpPr>
+      <p:pic>
+        <p:nvPicPr>
+          <p:cNvPr id="9" name="Imagem 8"/>
+          <p:cNvPicPr>
+            <a:picLocks noChangeAspect="1"/>
+          </p:cNvPicPr>
+          <p:nvPr/>
+        </p:nvPicPr>
+        <p:blipFill>
+          <a:blip r:embed="rId2">
+            <a:extLst>
+              <a:ext uri="{28A0092B-C50C-407E-A947-70E740481C1C}">
+                <a14:useLocalDpi xmlns:a14="http://schemas.microsoft.com/office/drawing/2010/main" val="0"/>
+              </a:ext>
+            </a:extLst>
+          </a:blip>
+          <a:stretch>
+            <a:fillRect/>
+          </a:stretch>
+        </p:blipFill>
+        <p:spPr>
+          <a:xfrm>
+            <a:off x="0" y="0"/>
+            <a:ext cx="12192000" cy="6858000"/>
+          </a:xfrm>
+          <a:prstGeom prst="rect">
+            <a:avLst/>
+          </a:prstGeom>
+        </p:spPr>
+      </p:pic>
+      <p:sp>
+        <p:nvSpPr>
+          <p:cNvPr id="2" name="Título 1"/>
+          <p:cNvSpPr>
+            <a:spLocks noGrp="1"/>
+          </p:cNvSpPr>
+          <p:nvPr>
+            <p:ph type="ctrTitle"/>
+          </p:nvPr>
+        </p:nvSpPr>
+        <p:spPr>
+          <a:xfrm>
+            <a:off x="1387813" y="704074"/>
+            <a:ext cx="9144000" cy="2387600"/>
+          </a:xfrm>
+        </p:spPr>
+        <p:txBody>
+          <a:bodyPr/>
+          <a:lstStyle/>
+          <a:p>
+            <a:r>
+              <a:rPr lang="pt-BR" dirty="0" err="1">
+                <a:ln w="38100">
+                  <a:solidFill>
+                    <a:srgbClr val="3465AF"/>
+                  </a:solidFill>
+                </a:ln>
+                <a:solidFill>
+                  <a:srgbClr val="FFCB05"/>
+                </a:solidFill>
+                <a:latin typeface="Berlin Sans FB Demi" panose="020E0802020502020306" pitchFamily="34" charset="0"/>
+              </a:rPr>
+              <a:t>Image</a:t>
+            </a:r>
+            <a:r>
+              <a:rPr lang="pt-BR" dirty="0">
+                <a:ln w="38100">
+                  <a:solidFill>
+                    <a:srgbClr val="3465AF"/>
+                  </a:solidFill>
+                </a:ln>
+                <a:solidFill>
+                  <a:srgbClr val="FFCB05"/>
+                </a:solidFill>
+                <a:latin typeface="Berlin Sans FB Demi" panose="020E0802020502020306" pitchFamily="34" charset="0"/>
+              </a:rPr>
+              <a:t> </a:t>
+            </a:r>
+            <a:r>
+              <a:rPr lang="pt-BR" dirty="0" err="1">
+                <a:ln w="38100">
+                  <a:solidFill>
+                    <a:srgbClr val="3465AF"/>
+                  </a:solidFill>
+                </a:ln>
+                <a:solidFill>
+                  <a:srgbClr val="FFCB05"/>
+                </a:solidFill>
+                <a:latin typeface="Berlin Sans FB Demi" panose="020E0802020502020306" pitchFamily="34" charset="0"/>
+              </a:rPr>
+              <a:t>Recognition</a:t>
+            </a:r>
+            <a:endParaRPr lang="pt-BR" dirty="0">
+              <a:ln w="38100">
+                <a:solidFill>
+                  <a:srgbClr val="3465AF"/>
+                </a:solidFill>
+              </a:ln>
+              <a:solidFill>
+                <a:srgbClr val="FFCB05"/>
+              </a:solidFill>
+              <a:latin typeface="Berlin Sans FB Demi" panose="020E0802020502020306" pitchFamily="34" charset="0"/>
+            </a:endParaRPr>
+          </a:p>
+        </p:txBody>
+      </p:sp>
+      <p:sp>
+        <p:nvSpPr>
+          <p:cNvPr id="3" name="Subtítulo 2"/>
+          <p:cNvSpPr>
+            <a:spLocks noGrp="1"/>
+          </p:cNvSpPr>
+          <p:nvPr>
+            <p:ph type="subTitle" idx="1"/>
+          </p:nvPr>
+        </p:nvSpPr>
+        <p:spPr>
+          <a:xfrm>
+            <a:off x="9984259" y="5000368"/>
+            <a:ext cx="1696994" cy="1573771"/>
+          </a:xfrm>
+        </p:spPr>
+        <p:txBody>
+          <a:bodyPr/>
+          <a:lstStyle/>
+          <a:p>
+            <a:r>
+              <a:rPr lang="pt-BR" dirty="0">
+                <a:solidFill>
+                  <a:schemeClr val="bg1"/>
+                </a:solidFill>
+              </a:rPr>
+              <a:t>Adson</a:t>
+            </a:r>
+          </a:p>
+          <a:p>
+            <a:r>
+              <a:rPr lang="pt-BR" dirty="0">
+                <a:solidFill>
+                  <a:schemeClr val="bg1"/>
+                </a:solidFill>
+              </a:rPr>
+              <a:t>Alisson</a:t>
+            </a:r>
+          </a:p>
+          <a:p>
+            <a:r>
+              <a:rPr lang="pt-BR" dirty="0">
+                <a:solidFill>
+                  <a:schemeClr val="bg1"/>
+                </a:solidFill>
+              </a:rPr>
+              <a:t>Augusto</a:t>
+            </a:r>
+          </a:p>
+        </p:txBody>
+      </p:sp>
+      <p:pic>
+        <p:nvPicPr>
+          <p:cNvPr id="7" name="Imagem 6" descr="Uma imagem contendo sinal, texto&#10;&#10;Descrição gerada com alta confiança"/>
+          <p:cNvPicPr>
+            <a:picLocks noChangeAspect="1"/>
+          </p:cNvPicPr>
+          <p:nvPr/>
+        </p:nvPicPr>
+        <p:blipFill>
+          <a:blip r:embed="rId3">
+            <a:extLst>
+              <a:ext uri="{28A0092B-C50C-407E-A947-70E740481C1C}">
+                <a14:useLocalDpi xmlns:a14="http://schemas.microsoft.com/office/drawing/2010/main" val="0"/>
+              </a:ext>
+            </a:extLst>
+          </a:blip>
+          <a:stretch>
+            <a:fillRect/>
+          </a:stretch>
+        </p:blipFill>
+        <p:spPr>
+          <a:xfrm>
+            <a:off x="3715219" y="492477"/>
+            <a:ext cx="4238068" cy="1561021"/>
+          </a:xfrm>
+          <a:prstGeom prst="rect">
+            <a:avLst/>
+          </a:prstGeom>
+        </p:spPr>
+      </p:pic>
+    </p:spTree>
+    <p:extLst>
+      <p:ext uri="{BB962C8B-B14F-4D97-AF65-F5344CB8AC3E}">
+        <p14:creationId xmlns:p14="http://schemas.microsoft.com/office/powerpoint/2010/main" val="35167237"/>
       </p:ext>
     </p:extLst>
   </p:cSld>

--- a/Image Recognition.pptx
+++ b/Image Recognition.pptx
@@ -3006,16 +3006,18 @@
         </p:nvSpPr>
         <p:spPr>
           <a:xfrm>
-            <a:off x="1387813" y="704074"/>
+            <a:off x="1688756" y="2612768"/>
             <a:ext cx="9144000" cy="2387600"/>
           </a:xfrm>
         </p:spPr>
         <p:txBody>
-          <a:bodyPr/>
-          <a:lstStyle/>
-          <a:p>
-            <a:r>
-              <a:rPr lang="pt-BR" dirty="0" err="1">
+          <a:bodyPr>
+            <a:noAutofit/>
+          </a:bodyPr>
+          <a:lstStyle/>
+          <a:p>
+            <a:r>
+              <a:rPr lang="pt-BR" sz="4800" dirty="0" smtClean="0">
                 <a:ln w="38100">
                   <a:solidFill>
                     <a:srgbClr val="3465AF"/>
@@ -3026,10 +3028,10 @@
                 </a:solidFill>
                 <a:latin typeface="Berlin Sans FB Demi" panose="020E0802020502020306" pitchFamily="34" charset="0"/>
               </a:rPr>
-              <a:t>Image</a:t>
-            </a:r>
-            <a:r>
-              <a:rPr lang="pt-BR" dirty="0">
+              <a:t>Uso de Redes Neurais Artificiais para o Reconhecimento de  Personagens com Imagens de Quadros de Animaç</a:t>
+            </a:r>
+            <a:r>
+              <a:rPr lang="pt-BR" sz="4800" dirty="0" smtClean="0">
                 <a:ln w="38100">
                   <a:solidFill>
                     <a:srgbClr val="3465AF"/>
@@ -3040,23 +3042,9 @@
                 </a:solidFill>
                 <a:latin typeface="Berlin Sans FB Demi" panose="020E0802020502020306" pitchFamily="34" charset="0"/>
               </a:rPr>
-              <a:t> </a:t>
-            </a:r>
-            <a:r>
-              <a:rPr lang="pt-BR" dirty="0" err="1">
-                <a:ln w="38100">
-                  <a:solidFill>
-                    <a:srgbClr val="3465AF"/>
-                  </a:solidFill>
-                </a:ln>
-                <a:solidFill>
-                  <a:srgbClr val="FFCB05"/>
-                </a:solidFill>
-                <a:latin typeface="Berlin Sans FB Demi" panose="020E0802020502020306" pitchFamily="34" charset="0"/>
-              </a:rPr>
-              <a:t>Recognition</a:t>
-            </a:r>
-            <a:endParaRPr lang="pt-BR" dirty="0">
+              <a:t>ão</a:t>
+            </a:r>
+            <a:endParaRPr lang="pt-BR" sz="4800" dirty="0">
               <a:ln w="38100">
                 <a:solidFill>
                   <a:srgbClr val="3465AF"/>
@@ -3130,7 +3118,7 @@
           <p:nvPr/>
         </p:nvPicPr>
         <p:blipFill>
-          <a:blip r:embed="rId3">
+          <a:blip r:embed="rId3" cstate="print">
             <a:extLst>
               <a:ext uri="{28A0092B-C50C-407E-A947-70E740481C1C}">
                 <a14:useLocalDpi xmlns:a14="http://schemas.microsoft.com/office/drawing/2010/main" val="0"/>
@@ -3384,7 +3372,7 @@
           <p:nvPr/>
         </p:nvPicPr>
         <p:blipFill>
-          <a:blip r:embed="rId4">
+          <a:blip r:embed="rId4" cstate="print">
             <a:extLst>
               <a:ext uri="{28A0092B-C50C-407E-A947-70E740481C1C}">
                 <a14:useLocalDpi xmlns:a14="http://schemas.microsoft.com/office/drawing/2010/main" val="0"/>
@@ -3559,7 +3547,7 @@
           <p:nvPr/>
         </p:nvPicPr>
         <p:blipFill>
-          <a:blip r:embed="rId4">
+          <a:blip r:embed="rId4" cstate="print">
             <a:extLst>
               <a:ext uri="{28A0092B-C50C-407E-A947-70E740481C1C}">
                 <a14:useLocalDpi xmlns:a14="http://schemas.microsoft.com/office/drawing/2010/main" val="0"/>
@@ -3735,7 +3723,7 @@
           <p:nvPr/>
         </p:nvPicPr>
         <p:blipFill>
-          <a:blip r:embed="rId5">
+          <a:blip r:embed="rId5" cstate="print">
             <a:extLst>
               <a:ext uri="{28A0092B-C50C-407E-A947-70E740481C1C}">
                 <a14:useLocalDpi xmlns:a14="http://schemas.microsoft.com/office/drawing/2010/main" val="0"/>
@@ -3988,7 +3976,7 @@
           <p:nvPr/>
         </p:nvPicPr>
         <p:blipFill>
-          <a:blip r:embed="rId4">
+          <a:blip r:embed="rId4" cstate="print">
             <a:grayscl/>
             <a:extLst>
               <a:ext uri="{28A0092B-C50C-407E-A947-70E740481C1C}">
@@ -4164,28 +4152,28 @@
                 <a:gridCol w="1980523">
                   <a:extLst>
                     <a:ext uri="{9D8B030D-6E8A-4147-A177-3AD203B41FA5}">
-                      <a16:colId xmlns:a16="http://schemas.microsoft.com/office/drawing/2014/main" val="3925056430"/>
+                      <a16:colId xmlns:a16="http://schemas.microsoft.com/office/drawing/2014/main" xmlns="" val="3925056430"/>
                     </a:ext>
                   </a:extLst>
                 </a:gridCol>
                 <a:gridCol w="1980523">
                   <a:extLst>
                     <a:ext uri="{9D8B030D-6E8A-4147-A177-3AD203B41FA5}">
-                      <a16:colId xmlns:a16="http://schemas.microsoft.com/office/drawing/2014/main" val="2107503146"/>
+                      <a16:colId xmlns:a16="http://schemas.microsoft.com/office/drawing/2014/main" xmlns="" val="2107503146"/>
                     </a:ext>
                   </a:extLst>
                 </a:gridCol>
                 <a:gridCol w="1980523">
                   <a:extLst>
                     <a:ext uri="{9D8B030D-6E8A-4147-A177-3AD203B41FA5}">
-                      <a16:colId xmlns:a16="http://schemas.microsoft.com/office/drawing/2014/main" val="2457128161"/>
+                      <a16:colId xmlns:a16="http://schemas.microsoft.com/office/drawing/2014/main" xmlns="" val="2457128161"/>
                     </a:ext>
                   </a:extLst>
                 </a:gridCol>
                 <a:gridCol w="1980523">
                   <a:extLst>
                     <a:ext uri="{9D8B030D-6E8A-4147-A177-3AD203B41FA5}">
-                      <a16:colId xmlns:a16="http://schemas.microsoft.com/office/drawing/2014/main" val="3497775463"/>
+                      <a16:colId xmlns:a16="http://schemas.microsoft.com/office/drawing/2014/main" xmlns="" val="3497775463"/>
                     </a:ext>
                   </a:extLst>
                 </a:gridCol>
@@ -4362,7 +4350,7 @@
                 </a:tc>
                 <a:extLst>
                   <a:ext uri="{0D108BD9-81ED-4DB2-BD59-A6C34878D82A}">
-                    <a16:rowId xmlns:a16="http://schemas.microsoft.com/office/drawing/2014/main" val="2649326185"/>
+                    <a16:rowId xmlns:a16="http://schemas.microsoft.com/office/drawing/2014/main" xmlns="" val="2649326185"/>
                   </a:ext>
                 </a:extLst>
               </a:tr>
@@ -4513,7 +4501,7 @@
                 </a:tc>
                 <a:extLst>
                   <a:ext uri="{0D108BD9-81ED-4DB2-BD59-A6C34878D82A}">
-                    <a16:rowId xmlns:a16="http://schemas.microsoft.com/office/drawing/2014/main" val="326401523"/>
+                    <a16:rowId xmlns:a16="http://schemas.microsoft.com/office/drawing/2014/main" xmlns="" val="326401523"/>
                   </a:ext>
                 </a:extLst>
               </a:tr>
@@ -4732,7 +4720,7 @@
                 </a:tc>
                 <a:extLst>
                   <a:ext uri="{0D108BD9-81ED-4DB2-BD59-A6C34878D82A}">
-                    <a16:rowId xmlns:a16="http://schemas.microsoft.com/office/drawing/2014/main" val="3921782448"/>
+                    <a16:rowId xmlns:a16="http://schemas.microsoft.com/office/drawing/2014/main" xmlns="" val="3921782448"/>
                   </a:ext>
                 </a:extLst>
               </a:tr>
@@ -4952,7 +4940,7 @@
                 </a:tc>
                 <a:extLst>
                   <a:ext uri="{0D108BD9-81ED-4DB2-BD59-A6C34878D82A}">
-                    <a16:rowId xmlns:a16="http://schemas.microsoft.com/office/drawing/2014/main" val="2316875888"/>
+                    <a16:rowId xmlns:a16="http://schemas.microsoft.com/office/drawing/2014/main" xmlns="" val="2316875888"/>
                   </a:ext>
                 </a:extLst>
               </a:tr>
@@ -5171,7 +5159,7 @@
                 </a:tc>
                 <a:extLst>
                   <a:ext uri="{0D108BD9-81ED-4DB2-BD59-A6C34878D82A}">
-                    <a16:rowId xmlns:a16="http://schemas.microsoft.com/office/drawing/2014/main" val="2332323491"/>
+                    <a16:rowId xmlns:a16="http://schemas.microsoft.com/office/drawing/2014/main" xmlns="" val="2332323491"/>
                   </a:ext>
                 </a:extLst>
               </a:tr>
@@ -5188,7 +5176,7 @@
           <p:nvPr/>
         </p:nvPicPr>
         <p:blipFill>
-          <a:blip r:embed="rId2">
+          <a:blip r:embed="rId2" cstate="print">
             <a:extLst>
               <a:ext uri="{28A0092B-C50C-407E-A947-70E740481C1C}">
                 <a14:useLocalDpi xmlns:a14="http://schemas.microsoft.com/office/drawing/2010/main" val="0"/>
@@ -5369,7 +5357,7 @@
           <p:nvPr/>
         </p:nvPicPr>
         <p:blipFill>
-          <a:blip r:embed="rId6">
+          <a:blip r:embed="rId6" cstate="print">
             <a:extLst>
               <a:ext uri="{28A0092B-C50C-407E-A947-70E740481C1C}">
                 <a14:useLocalDpi xmlns:a14="http://schemas.microsoft.com/office/drawing/2010/main" val="0"/>
@@ -5597,7 +5585,7 @@
           <p:nvPr/>
         </p:nvPicPr>
         <p:blipFill>
-          <a:blip r:embed="rId3">
+          <a:blip r:embed="rId3" cstate="print">
             <a:extLst>
               <a:ext uri="{28A0092B-C50C-407E-A947-70E740481C1C}">
                 <a14:useLocalDpi xmlns:a14="http://schemas.microsoft.com/office/drawing/2010/main" val="0"/>
